--- a/docs/Milestone2Presentation.pptx
+++ b/docs/Milestone2Presentation.pptx
@@ -822,7 +822,7 @@
   <p:cSld>
     <p:spTree>
       <p:nvGrpSpPr>
-        <p:cNvPr id="186" name="Shape 186"/>
+        <p:cNvPr id="185" name="Shape 185"/>
         <p:cNvGrpSpPr/>
         <p:nvPr/>
       </p:nvGrpSpPr>
@@ -836,7 +836,7 @@
       </p:grpSpPr>
       <p:sp>
         <p:nvSpPr>
-          <p:cNvPr id="187" name="Google Shape;187;g655fb75fa7_0_29:notes"/>
+          <p:cNvPr id="186" name="Google Shape;186;g655fb75fa7_0_14:notes"/>
           <p:cNvSpPr/>
           <p:nvPr>
             <p:ph idx="2" type="sldImg"/>
@@ -871,7 +871,7 @@
       </p:sp>
       <p:sp>
         <p:nvSpPr>
-          <p:cNvPr id="188" name="Google Shape;188;g655fb75fa7_0_29:notes"/>
+          <p:cNvPr id="187" name="Google Shape;187;g655fb75fa7_0_14:notes"/>
           <p:cNvSpPr txBox="1"/>
           <p:nvPr>
             <p:ph idx="1" type="body"/>
@@ -2181,7 +2181,7 @@
       </p:grpSpPr>
       <p:sp>
         <p:nvSpPr>
-          <p:cNvPr id="167" name="Google Shape;167;g655fb75fa7_0_14:notes"/>
+          <p:cNvPr id="167" name="Google Shape;167;g655fb75fa7_0_24:notes"/>
           <p:cNvSpPr/>
           <p:nvPr>
             <p:ph idx="2" type="sldImg"/>
@@ -2216,7 +2216,7 @@
       </p:sp>
       <p:sp>
         <p:nvSpPr>
-          <p:cNvPr id="168" name="Google Shape;168;g655fb75fa7_0_14:notes"/>
+          <p:cNvPr id="168" name="Google Shape;168;g655fb75fa7_0_24:notes"/>
           <p:cNvSpPr txBox="1"/>
           <p:nvPr>
             <p:ph idx="1" type="body"/>
@@ -2266,7 +2266,7 @@
   <p:cSld>
     <p:spTree>
       <p:nvGrpSpPr>
-        <p:cNvPr id="173" name="Shape 173"/>
+        <p:cNvPr id="172" name="Shape 172"/>
         <p:cNvGrpSpPr/>
         <p:nvPr/>
       </p:nvGrpSpPr>
@@ -2280,7 +2280,7 @@
       </p:grpSpPr>
       <p:sp>
         <p:nvSpPr>
-          <p:cNvPr id="174" name="Google Shape;174;g655fb75fa7_0_24:notes"/>
+          <p:cNvPr id="173" name="Google Shape;173;g655fb75fa7_0_54:notes"/>
           <p:cNvSpPr/>
           <p:nvPr>
             <p:ph idx="2" type="sldImg"/>
@@ -2315,7 +2315,7 @@
       </p:sp>
       <p:sp>
         <p:nvSpPr>
-          <p:cNvPr id="175" name="Google Shape;175;g655fb75fa7_0_24:notes"/>
+          <p:cNvPr id="174" name="Google Shape;174;g655fb75fa7_0_54:notes"/>
           <p:cNvSpPr txBox="1"/>
           <p:nvPr>
             <p:ph idx="1" type="body"/>
@@ -2379,7 +2379,7 @@
       </p:grpSpPr>
       <p:sp>
         <p:nvSpPr>
-          <p:cNvPr id="180" name="Google Shape;180;g655fb75fa7_0_54:notes"/>
+          <p:cNvPr id="180" name="Google Shape;180;g655fb75fa7_0_29:notes"/>
           <p:cNvSpPr/>
           <p:nvPr>
             <p:ph idx="2" type="sldImg"/>
@@ -2414,7 +2414,7 @@
       </p:sp>
       <p:sp>
         <p:nvSpPr>
-          <p:cNvPr id="181" name="Google Shape;181;g655fb75fa7_0_54:notes"/>
+          <p:cNvPr id="181" name="Google Shape;181;g655fb75fa7_0_29:notes"/>
           <p:cNvSpPr txBox="1"/>
           <p:nvPr>
             <p:ph idx="1" type="body"/>
@@ -10768,7 +10768,7 @@
   <p:cSld>
     <p:spTree>
       <p:nvGrpSpPr>
-        <p:cNvPr id="189" name="Shape 189"/>
+        <p:cNvPr id="188" name="Shape 188"/>
         <p:cNvGrpSpPr/>
         <p:nvPr/>
       </p:nvGrpSpPr>
@@ -10782,7 +10782,7 @@
       </p:grpSpPr>
       <p:sp>
         <p:nvSpPr>
-          <p:cNvPr id="190" name="Google Shape;190;p22"/>
+          <p:cNvPr id="189" name="Google Shape;189;p22"/>
           <p:cNvSpPr txBox="1"/>
           <p:nvPr>
             <p:ph type="title"/>
@@ -10814,7 +10814,7 @@
             </a:pPr>
             <a:r>
               <a:rPr lang="en"/>
-              <a:t>Task 4</a:t>
+              <a:t>Task 3</a:t>
             </a:r>
             <a:endParaRPr/>
           </a:p>
@@ -10830,7 +10830,184 @@
             </a:pPr>
             <a:r>
               <a:rPr lang="en"/>
-              <a:t>	Created configuration file parser</a:t>
+              <a:t>	Created simulated farm for testing</a:t>
+            </a:r>
+            <a:endParaRPr/>
+          </a:p>
+        </p:txBody>
+      </p:sp>
+      <p:sp>
+        <p:nvSpPr>
+          <p:cNvPr id="190" name="Google Shape;190;p22"/>
+          <p:cNvSpPr txBox="1"/>
+          <p:nvPr>
+            <p:ph idx="1" type="body"/>
+          </p:nvPr>
+        </p:nvSpPr>
+        <p:spPr>
+          <a:xfrm>
+            <a:off x="1035600" y="1514600"/>
+            <a:ext cx="3536400" cy="2911200"/>
+          </a:xfrm>
+          <a:prstGeom prst="rect">
+            <a:avLst/>
+          </a:prstGeom>
+        </p:spPr>
+        <p:txBody>
+          <a:bodyPr anchorCtr="0" anchor="t" bIns="91425" lIns="91425" spcFirstLastPara="1" rIns="91425" wrap="square" tIns="91425">
+            <a:noAutofit/>
+          </a:bodyPr>
+          <a:lstStyle/>
+          <a:p>
+            <a:pPr indent="-311150" lvl="0" marL="457200" rtl="0" algn="l">
+              <a:spcBef>
+                <a:spcPts val="0"/>
+              </a:spcBef>
+              <a:spcAft>
+                <a:spcPts val="0"/>
+              </a:spcAft>
+              <a:buSzPts val="1300"/>
+              <a:buChar char="●"/>
+            </a:pPr>
+            <a:r>
+              <a:rPr lang="en"/>
+              <a:t>Simulated farm for Growth Phase</a:t>
+            </a:r>
+            <a:endParaRPr/>
+          </a:p>
+          <a:p>
+            <a:pPr indent="-311150" lvl="0" marL="457200" rtl="0" algn="l">
+              <a:spcBef>
+                <a:spcPts val="0"/>
+              </a:spcBef>
+              <a:spcAft>
+                <a:spcPts val="0"/>
+              </a:spcAft>
+              <a:buSzPts val="1300"/>
+              <a:buChar char="●"/>
+            </a:pPr>
+            <a:r>
+              <a:rPr lang="en"/>
+              <a:t>Properties of simulation:</a:t>
+            </a:r>
+            <a:endParaRPr/>
+          </a:p>
+          <a:p>
+            <a:pPr indent="-298450" lvl="1" marL="914400" rtl="0" algn="l">
+              <a:spcBef>
+                <a:spcPts val="0"/>
+              </a:spcBef>
+              <a:spcAft>
+                <a:spcPts val="0"/>
+              </a:spcAft>
+              <a:buSzPts val="1100"/>
+              <a:buChar char="○"/>
+            </a:pPr>
+            <a:r>
+              <a:rPr lang="en"/>
+              <a:t>Seed object</a:t>
+            </a:r>
+            <a:endParaRPr/>
+          </a:p>
+          <a:p>
+            <a:pPr indent="-298450" lvl="2" marL="1371600" rtl="0" algn="l">
+              <a:spcBef>
+                <a:spcPts val="0"/>
+              </a:spcBef>
+              <a:spcAft>
+                <a:spcPts val="0"/>
+              </a:spcAft>
+              <a:buSzPts val="1100"/>
+              <a:buChar char="■"/>
+            </a:pPr>
+            <a:r>
+              <a:rPr lang="en"/>
+              <a:t>Can germinate?</a:t>
+            </a:r>
+            <a:endParaRPr/>
+          </a:p>
+          <a:p>
+            <a:pPr indent="-298450" lvl="3" marL="1828800" rtl="0" algn="l">
+              <a:spcBef>
+                <a:spcPts val="0"/>
+              </a:spcBef>
+              <a:spcAft>
+                <a:spcPts val="0"/>
+              </a:spcAft>
+              <a:buSzPts val="1100"/>
+              <a:buChar char="●"/>
+            </a:pPr>
+            <a:r>
+              <a:rPr lang="en"/>
+              <a:t>Time till germination if time with/without water &amp; light allows for survival</a:t>
+            </a:r>
+            <a:endParaRPr/>
+          </a:p>
+          <a:p>
+            <a:pPr indent="-298450" lvl="2" marL="1371600" rtl="0" algn="l">
+              <a:spcBef>
+                <a:spcPts val="0"/>
+              </a:spcBef>
+              <a:spcAft>
+                <a:spcPts val="0"/>
+              </a:spcAft>
+              <a:buSzPts val="1100"/>
+              <a:buChar char="■"/>
+            </a:pPr>
+            <a:r>
+              <a:rPr lang="en"/>
+              <a:t>Is healthy?</a:t>
+            </a:r>
+            <a:endParaRPr/>
+          </a:p>
+          <a:p>
+            <a:pPr indent="-298450" lvl="3" marL="1828800" rtl="0" algn="l">
+              <a:spcBef>
+                <a:spcPts val="0"/>
+              </a:spcBef>
+              <a:spcAft>
+                <a:spcPts val="0"/>
+              </a:spcAft>
+              <a:buSzPts val="1100"/>
+              <a:buChar char="●"/>
+            </a:pPr>
+            <a:r>
+              <a:rPr lang="en"/>
+              <a:t>Max height and growth rate affected</a:t>
+            </a:r>
+            <a:endParaRPr/>
+          </a:p>
+          <a:p>
+            <a:pPr indent="-298450" lvl="2" marL="1371600" rtl="0" algn="l">
+              <a:spcBef>
+                <a:spcPts val="0"/>
+              </a:spcBef>
+              <a:spcAft>
+                <a:spcPts val="0"/>
+              </a:spcAft>
+              <a:buSzPts val="1100"/>
+              <a:buChar char="■"/>
+            </a:pPr>
+            <a:r>
+              <a:rPr lang="en"/>
+              <a:t>Max height</a:t>
+            </a:r>
+            <a:endParaRPr/>
+          </a:p>
+          <a:p>
+            <a:pPr indent="-298450" lvl="2" marL="1371600" rtl="0" algn="l">
+              <a:spcBef>
+                <a:spcPts val="0"/>
+              </a:spcBef>
+              <a:spcAft>
+                <a:spcPts val="0"/>
+              </a:spcAft>
+              <a:buSzPts val="1100"/>
+              <a:buChar char="■"/>
+            </a:pPr>
+            <a:r>
+              <a:rPr lang="en"/>
+              <a:t>Growth rate</a:t>
             </a:r>
             <a:endParaRPr/>
           </a:p>
@@ -10846,8 +11023,8 @@
         </p:nvSpPr>
         <p:spPr>
           <a:xfrm>
-            <a:off x="1297500" y="1567550"/>
-            <a:ext cx="7038900" cy="2911200"/>
+            <a:off x="4572000" y="1514600"/>
+            <a:ext cx="3536400" cy="2911200"/>
           </a:xfrm>
           <a:prstGeom prst="rect">
             <a:avLst/>
@@ -10859,104 +11036,146 @@
           </a:bodyPr>
           <a:lstStyle/>
           <a:p>
-            <a:pPr indent="-311150" lvl="0" marL="457200" rtl="0" algn="l">
-              <a:spcBef>
-                <a:spcPts val="0"/>
-              </a:spcBef>
-              <a:spcAft>
-                <a:spcPts val="0"/>
-              </a:spcAft>
-              <a:buSzPts val="1300"/>
-              <a:buChar char="●"/>
+            <a:pPr indent="-298450" lvl="1" marL="914400" rtl="0" algn="l">
+              <a:spcBef>
+                <a:spcPts val="0"/>
+              </a:spcBef>
+              <a:spcAft>
+                <a:spcPts val="0"/>
+              </a:spcAft>
+              <a:buSzPts val="1100"/>
+              <a:buChar char="○"/>
             </a:pPr>
             <a:r>
               <a:rPr lang="en"/>
-              <a:t>Converts the config file to the systems internal representation of the configuration.</a:t>
+              <a:t>Tray of seeds - each seed grows differently</a:t>
             </a:r>
             <a:endParaRPr/>
           </a:p>
           <a:p>
-            <a:pPr indent="-311150" lvl="0" marL="457200" rtl="0" algn="l">
-              <a:spcBef>
-                <a:spcPts val="0"/>
-              </a:spcBef>
-              <a:spcAft>
-                <a:spcPts val="0"/>
-              </a:spcAft>
-              <a:buSzPts val="1300"/>
-              <a:buChar char="●"/>
+            <a:pPr indent="-298450" lvl="1" marL="914400" rtl="0" algn="l">
+              <a:spcBef>
+                <a:spcPts val="0"/>
+              </a:spcBef>
+              <a:spcAft>
+                <a:spcPts val="0"/>
+              </a:spcAft>
+              <a:buSzPts val="1100"/>
+              <a:buChar char="○"/>
             </a:pPr>
             <a:r>
               <a:rPr lang="en"/>
-              <a:t>Validates the internal structure.</a:t>
+              <a:t>Light object - For this simulation it is on the entire grow period</a:t>
             </a:r>
             <a:endParaRPr/>
           </a:p>
           <a:p>
-            <a:pPr indent="-311150" lvl="0" marL="457200" rtl="0" algn="l">
-              <a:spcBef>
-                <a:spcPts val="0"/>
-              </a:spcBef>
-              <a:spcAft>
-                <a:spcPts val="0"/>
-              </a:spcAft>
-              <a:buSzPts val="1300"/>
-              <a:buChar char="●"/>
+            <a:pPr indent="-298450" lvl="1" marL="914400" rtl="0" algn="l">
+              <a:spcBef>
+                <a:spcPts val="0"/>
+              </a:spcBef>
+              <a:spcAft>
+                <a:spcPts val="0"/>
+              </a:spcAft>
+              <a:buSzPts val="1100"/>
+              <a:buChar char="○"/>
             </a:pPr>
             <a:r>
               <a:rPr lang="en"/>
-              <a:t>Validates the syntax against reserved words and whether targets contain parameters specified.</a:t>
+              <a:t>Water pump - properties of actuator:</a:t>
             </a:r>
             <a:endParaRPr/>
           </a:p>
           <a:p>
-            <a:pPr indent="-311150" lvl="0" marL="457200" rtl="0" algn="l">
-              <a:spcBef>
-                <a:spcPts val="0"/>
-              </a:spcBef>
-              <a:spcAft>
-                <a:spcPts val="0"/>
-              </a:spcAft>
-              <a:buSzPts val="1300"/>
-              <a:buChar char="●"/>
+            <a:pPr indent="-298450" lvl="2" marL="1371600" rtl="0" algn="l">
+              <a:spcBef>
+                <a:spcPts val="0"/>
+              </a:spcBef>
+              <a:spcAft>
+                <a:spcPts val="0"/>
+              </a:spcAft>
+              <a:buSzPts val="1100"/>
+              <a:buChar char="■"/>
             </a:pPr>
             <a:r>
               <a:rPr lang="en"/>
-              <a:t>Normalizes units provided to a standard internal representation.</a:t>
+              <a:t>stepper current position, start, speed, steps of revolution, acceleration</a:t>
             </a:r>
             <a:endParaRPr/>
           </a:p>
           <a:p>
-            <a:pPr indent="-311150" lvl="0" marL="457200" rtl="0" algn="l">
-              <a:spcBef>
-                <a:spcPts val="0"/>
-              </a:spcBef>
-              <a:spcAft>
-                <a:spcPts val="0"/>
-              </a:spcAft>
-              <a:buSzPts val="1300"/>
-              <a:buChar char="●"/>
+            <a:pPr indent="-298450" lvl="1" marL="914400" rtl="0" algn="l">
+              <a:spcBef>
+                <a:spcPts val="0"/>
+              </a:spcBef>
+              <a:spcAft>
+                <a:spcPts val="0"/>
+              </a:spcAft>
+              <a:buSzPts val="1100"/>
+              <a:buChar char="○"/>
             </a:pPr>
             <a:r>
               <a:rPr lang="en"/>
-              <a:t>e.g. minutes, hours, and days get converted into seconds.</a:t>
+              <a:t>Time delta</a:t>
             </a:r>
             <a:endParaRPr/>
           </a:p>
           <a:p>
-            <a:pPr indent="-311150" lvl="0" marL="457200" rtl="0" algn="l">
-              <a:spcBef>
-                <a:spcPts val="0"/>
-              </a:spcBef>
-              <a:spcAft>
-                <a:spcPts val="0"/>
-              </a:spcAft>
-              <a:buSzPts val="1300"/>
-              <a:buChar char="●"/>
+            <a:pPr indent="-298450" lvl="1" marL="914400" rtl="0" algn="l">
+              <a:spcBef>
+                <a:spcPts val="0"/>
+              </a:spcBef>
+              <a:spcAft>
+                <a:spcPts val="0"/>
+              </a:spcAft>
+              <a:buSzPts val="1100"/>
+              <a:buChar char="○"/>
             </a:pPr>
             <a:r>
               <a:rPr lang="en"/>
-              <a:t>Plans to include validation of sensor/actuator dependencies instead of using reserved words.</a:t>
+              <a:t>Sensors:</a:t>
+            </a:r>
+            <a:endParaRPr/>
+          </a:p>
+          <a:p>
+            <a:pPr indent="-298450" lvl="2" marL="1371600" rtl="0" algn="l">
+              <a:spcBef>
+                <a:spcPts val="0"/>
+              </a:spcBef>
+              <a:spcAft>
+                <a:spcPts val="0"/>
+              </a:spcAft>
+              <a:buSzPts val="1100"/>
+              <a:buChar char="■"/>
+            </a:pPr>
+            <a:r>
+              <a:rPr lang="en"/>
+              <a:t>Moisture sensor - Biased return based on water pump</a:t>
+            </a:r>
+            <a:endParaRPr/>
+          </a:p>
+          <a:p>
+            <a:pPr indent="-298450" lvl="2" marL="1371600" rtl="0" algn="l">
+              <a:spcBef>
+                <a:spcPts val="0"/>
+              </a:spcBef>
+              <a:spcAft>
+                <a:spcPts val="0"/>
+              </a:spcAft>
+              <a:buSzPts val="1100"/>
+              <a:buChar char="■"/>
+            </a:pPr>
+            <a:r>
+              <a:rPr lang="en"/>
+              <a:t>Height sensor - Time delta changes plant height</a:t>
+            </a:r>
+            <a:r>
+              <a:rPr baseline="-25000" lang="en"/>
+              <a:t>, </a:t>
+            </a:r>
+            <a:r>
+              <a:rPr lang="en"/>
+              <a:t>after germination, at state call by task manager</a:t>
             </a:r>
             <a:endParaRPr/>
           </a:p>
@@ -11677,7 +11896,7 @@
             <a:tbl>
               <a:tblPr>
                 <a:noFill/>
-                <a:tableStyleId>{6D19917F-83FE-499A-817C-EB8C21E4ABB4}</a:tableStyleId>
+                <a:tableStyleId>{4439D5A5-3D1D-4D25-93E4-BC4AF71C8423}</a:tableStyleId>
               </a:tblPr>
               <a:tblGrid>
                 <a:gridCol w="2481975"/>
@@ -12919,7 +13138,7 @@
             <a:tbl>
               <a:tblPr>
                 <a:noFill/>
-                <a:tableStyleId>{6D19917F-83FE-499A-817C-EB8C21E4ABB4}</a:tableStyleId>
+                <a:tableStyleId>{4439D5A5-3D1D-4D25-93E4-BC4AF71C8423}</a:tableStyleId>
               </a:tblPr>
               <a:tblGrid>
                 <a:gridCol w="2481975"/>
@@ -13908,7 +14127,7 @@
             <a:tbl>
               <a:tblPr>
                 <a:noFill/>
-                <a:tableStyleId>{6D19917F-83FE-499A-817C-EB8C21E4ABB4}</a:tableStyleId>
+                <a:tableStyleId>{4439D5A5-3D1D-4D25-93E4-BC4AF71C8423}</a:tableStyleId>
               </a:tblPr>
               <a:tblGrid>
                 <a:gridCol w="1434000"/>
@@ -15534,7 +15753,7 @@
             <a:tbl>
               <a:tblPr>
                 <a:noFill/>
-                <a:tableStyleId>{6D19917F-83FE-499A-817C-EB8C21E4ABB4}</a:tableStyleId>
+                <a:tableStyleId>{4439D5A5-3D1D-4D25-93E4-BC4AF71C8423}</a:tableStyleId>
               </a:tblPr>
               <a:tblGrid>
                 <a:gridCol w="2481975"/>
@@ -17345,7 +17564,7 @@
             </a:pPr>
             <a:r>
               <a:rPr lang="en"/>
-              <a:t>Task 3</a:t>
+              <a:t>Task 4</a:t>
             </a:r>
             <a:endParaRPr/>
           </a:p>
@@ -17361,7 +17580,7 @@
             </a:pPr>
             <a:r>
               <a:rPr lang="en"/>
-              <a:t>	Created simulated farm for testing</a:t>
+              <a:t>	Created configuration file</a:t>
             </a:r>
             <a:endParaRPr/>
           </a:p>
@@ -17377,8 +17596,8 @@
         </p:nvSpPr>
         <p:spPr>
           <a:xfrm>
-            <a:off x="1035600" y="1514600"/>
-            <a:ext cx="3536400" cy="2911200"/>
+            <a:off x="1297500" y="1567550"/>
+            <a:ext cx="7038900" cy="2911200"/>
           </a:xfrm>
           <a:prstGeom prst="rect">
             <a:avLst/>
@@ -17402,7 +17621,7 @@
             </a:pPr>
             <a:r>
               <a:rPr lang="en"/>
-              <a:t>Simulated farm for Growth Phase</a:t>
+              <a:t>Uses a subset of the YAML Syntax.</a:t>
             </a:r>
             <a:endParaRPr/>
           </a:p>
@@ -17419,7 +17638,75 @@
             </a:pPr>
             <a:r>
               <a:rPr lang="en"/>
-              <a:t>Properties of simulation:</a:t>
+              <a:t>Each phase consists of START, MONITOR, and END entries.</a:t>
+            </a:r>
+            <a:endParaRPr/>
+          </a:p>
+          <a:p>
+            <a:pPr indent="-311150" lvl="0" marL="457200" rtl="0" algn="l">
+              <a:spcBef>
+                <a:spcPts val="0"/>
+              </a:spcBef>
+              <a:spcAft>
+                <a:spcPts val="0"/>
+              </a:spcAft>
+              <a:buSzPts val="1300"/>
+              <a:buChar char="●"/>
+            </a:pPr>
+            <a:r>
+              <a:rPr lang="en"/>
+              <a:t>The entry for MONITOR contains sensor names, whose entries are multiple ranges of values, each of which correspond to a sequence of config actions.</a:t>
+            </a:r>
+            <a:endParaRPr/>
+          </a:p>
+          <a:p>
+            <a:pPr indent="-311150" lvl="0" marL="457200" rtl="0" algn="l">
+              <a:spcBef>
+                <a:spcPts val="0"/>
+              </a:spcBef>
+              <a:spcAft>
+                <a:spcPts val="0"/>
+              </a:spcAft>
+              <a:buSzPts val="1300"/>
+              <a:buChar char="●"/>
+            </a:pPr>
+            <a:r>
+              <a:rPr lang="en"/>
+              <a:t>START contains a sequence of config actions that initialize the system for a phase.</a:t>
+            </a:r>
+            <a:endParaRPr/>
+          </a:p>
+          <a:p>
+            <a:pPr indent="-311150" lvl="0" marL="457200" rtl="0" algn="l">
+              <a:spcBef>
+                <a:spcPts val="0"/>
+              </a:spcBef>
+              <a:spcAft>
+                <a:spcPts val="0"/>
+              </a:spcAft>
+              <a:buSzPts val="1300"/>
+              <a:buChar char="●"/>
+            </a:pPr>
+            <a:r>
+              <a:rPr lang="en"/>
+              <a:t>END contains a sequence of config actions that are executed on transitions.</a:t>
+            </a:r>
+            <a:endParaRPr/>
+          </a:p>
+          <a:p>
+            <a:pPr indent="-311150" lvl="0" marL="457200" rtl="0" algn="l">
+              <a:spcBef>
+                <a:spcPts val="0"/>
+              </a:spcBef>
+              <a:spcAft>
+                <a:spcPts val="0"/>
+              </a:spcAft>
+              <a:buSzPts val="1300"/>
+              <a:buChar char="●"/>
+            </a:pPr>
+            <a:r>
+              <a:rPr lang="en"/>
+              <a:t>Each config action comprises as a 3 part sequence</a:t>
             </a:r>
             <a:endParaRPr/>
           </a:p>
@@ -17436,136 +17723,10 @@
             </a:pPr>
             <a:r>
               <a:rPr lang="en"/>
-              <a:t>Seed object</a:t>
+              <a:t>The first element is the operation “activate”, “set”, or “deactivate”</a:t>
             </a:r>
             <a:endParaRPr/>
           </a:p>
-          <a:p>
-            <a:pPr indent="-298450" lvl="2" marL="1371600" rtl="0" algn="l">
-              <a:spcBef>
-                <a:spcPts val="0"/>
-              </a:spcBef>
-              <a:spcAft>
-                <a:spcPts val="0"/>
-              </a:spcAft>
-              <a:buSzPts val="1100"/>
-              <a:buChar char="■"/>
-            </a:pPr>
-            <a:r>
-              <a:rPr lang="en"/>
-              <a:t>Can germinate?</a:t>
-            </a:r>
-            <a:endParaRPr/>
-          </a:p>
-          <a:p>
-            <a:pPr indent="-298450" lvl="3" marL="1828800" rtl="0" algn="l">
-              <a:spcBef>
-                <a:spcPts val="0"/>
-              </a:spcBef>
-              <a:spcAft>
-                <a:spcPts val="0"/>
-              </a:spcAft>
-              <a:buSzPts val="1100"/>
-              <a:buChar char="●"/>
-            </a:pPr>
-            <a:r>
-              <a:rPr lang="en"/>
-              <a:t>Time till germination if time with/without water &amp; light allows for survival</a:t>
-            </a:r>
-            <a:endParaRPr/>
-          </a:p>
-          <a:p>
-            <a:pPr indent="-298450" lvl="2" marL="1371600" rtl="0" algn="l">
-              <a:spcBef>
-                <a:spcPts val="0"/>
-              </a:spcBef>
-              <a:spcAft>
-                <a:spcPts val="0"/>
-              </a:spcAft>
-              <a:buSzPts val="1100"/>
-              <a:buChar char="■"/>
-            </a:pPr>
-            <a:r>
-              <a:rPr lang="en"/>
-              <a:t>Is healthy?</a:t>
-            </a:r>
-            <a:endParaRPr/>
-          </a:p>
-          <a:p>
-            <a:pPr indent="-298450" lvl="3" marL="1828800" rtl="0" algn="l">
-              <a:spcBef>
-                <a:spcPts val="0"/>
-              </a:spcBef>
-              <a:spcAft>
-                <a:spcPts val="0"/>
-              </a:spcAft>
-              <a:buSzPts val="1100"/>
-              <a:buChar char="●"/>
-            </a:pPr>
-            <a:r>
-              <a:rPr lang="en"/>
-              <a:t>Max height and growth rate affected</a:t>
-            </a:r>
-            <a:endParaRPr/>
-          </a:p>
-          <a:p>
-            <a:pPr indent="-298450" lvl="2" marL="1371600" rtl="0" algn="l">
-              <a:spcBef>
-                <a:spcPts val="0"/>
-              </a:spcBef>
-              <a:spcAft>
-                <a:spcPts val="0"/>
-              </a:spcAft>
-              <a:buSzPts val="1100"/>
-              <a:buChar char="■"/>
-            </a:pPr>
-            <a:r>
-              <a:rPr lang="en"/>
-              <a:t>Max height</a:t>
-            </a:r>
-            <a:endParaRPr/>
-          </a:p>
-          <a:p>
-            <a:pPr indent="-298450" lvl="2" marL="1371600" rtl="0" algn="l">
-              <a:spcBef>
-                <a:spcPts val="0"/>
-              </a:spcBef>
-              <a:spcAft>
-                <a:spcPts val="0"/>
-              </a:spcAft>
-              <a:buSzPts val="1100"/>
-              <a:buChar char="■"/>
-            </a:pPr>
-            <a:r>
-              <a:rPr lang="en"/>
-              <a:t>Growth rate</a:t>
-            </a:r>
-            <a:endParaRPr/>
-          </a:p>
-        </p:txBody>
-      </p:sp>
-      <p:sp>
-        <p:nvSpPr>
-          <p:cNvPr id="172" name="Google Shape;172;p19"/>
-          <p:cNvSpPr txBox="1"/>
-          <p:nvPr>
-            <p:ph idx="1" type="body"/>
-          </p:nvPr>
-        </p:nvSpPr>
-        <p:spPr>
-          <a:xfrm>
-            <a:off x="4572000" y="1514600"/>
-            <a:ext cx="3536400" cy="2911200"/>
-          </a:xfrm>
-          <a:prstGeom prst="rect">
-            <a:avLst/>
-          </a:prstGeom>
-        </p:spPr>
-        <p:txBody>
-          <a:bodyPr anchorCtr="0" anchor="t" bIns="91425" lIns="91425" spcFirstLastPara="1" rIns="91425" wrap="square" tIns="91425">
-            <a:noAutofit/>
-          </a:bodyPr>
-          <a:lstStyle/>
           <a:p>
             <a:pPr indent="-298450" lvl="1" marL="914400" rtl="0" algn="l">
               <a:spcBef>
@@ -17579,7 +17740,7 @@
             </a:pPr>
             <a:r>
               <a:rPr lang="en"/>
-              <a:t>Tray of seeds - each seed grows differently</a:t>
+              <a:t>The second is the target of the operation. This is either an actuator or sensor name.</a:t>
             </a:r>
             <a:endParaRPr/>
           </a:p>
@@ -17596,117 +17757,22 @@
             </a:pPr>
             <a:r>
               <a:rPr lang="en"/>
-              <a:t>Light object - For this simulation it is on the entire grow period</a:t>
+              <a:t>The third is parameters, each with a corresponding value.</a:t>
             </a:r>
             <a:endParaRPr/>
           </a:p>
           <a:p>
-            <a:pPr indent="-298450" lvl="1" marL="914400" rtl="0" algn="l">
-              <a:spcBef>
-                <a:spcPts val="0"/>
-              </a:spcBef>
-              <a:spcAft>
-                <a:spcPts val="0"/>
-              </a:spcAft>
-              <a:buSzPts val="1100"/>
-              <a:buChar char="○"/>
+            <a:pPr indent="0" lvl="0" marL="0" rtl="0" algn="l">
+              <a:spcBef>
+                <a:spcPts val="1600"/>
+              </a:spcBef>
+              <a:spcAft>
+                <a:spcPts val="1600"/>
+              </a:spcAft>
+              <a:buNone/>
             </a:pPr>
             <a:r>
-              <a:rPr lang="en"/>
-              <a:t>Water pump - properties of actuator:</a:t>
-            </a:r>
-            <a:endParaRPr/>
-          </a:p>
-          <a:p>
-            <a:pPr indent="-298450" lvl="2" marL="1371600" rtl="0" algn="l">
-              <a:spcBef>
-                <a:spcPts val="0"/>
-              </a:spcBef>
-              <a:spcAft>
-                <a:spcPts val="0"/>
-              </a:spcAft>
-              <a:buSzPts val="1100"/>
-              <a:buChar char="■"/>
-            </a:pPr>
-            <a:r>
-              <a:rPr lang="en"/>
-              <a:t>stepper current position, start, speed, steps of revolution, acceleration</a:t>
-            </a:r>
-            <a:endParaRPr/>
-          </a:p>
-          <a:p>
-            <a:pPr indent="-298450" lvl="1" marL="914400" rtl="0" algn="l">
-              <a:spcBef>
-                <a:spcPts val="0"/>
-              </a:spcBef>
-              <a:spcAft>
-                <a:spcPts val="0"/>
-              </a:spcAft>
-              <a:buSzPts val="1100"/>
-              <a:buChar char="○"/>
-            </a:pPr>
-            <a:r>
-              <a:rPr lang="en"/>
-              <a:t>Time delta</a:t>
-            </a:r>
-            <a:endParaRPr/>
-          </a:p>
-          <a:p>
-            <a:pPr indent="-298450" lvl="1" marL="914400" rtl="0" algn="l">
-              <a:spcBef>
-                <a:spcPts val="0"/>
-              </a:spcBef>
-              <a:spcAft>
-                <a:spcPts val="0"/>
-              </a:spcAft>
-              <a:buSzPts val="1100"/>
-              <a:buChar char="○"/>
-            </a:pPr>
-            <a:r>
-              <a:rPr lang="en"/>
-              <a:t>Sensors:</a:t>
-            </a:r>
-            <a:endParaRPr/>
-          </a:p>
-          <a:p>
-            <a:pPr indent="-298450" lvl="2" marL="1371600" rtl="0" algn="l">
-              <a:spcBef>
-                <a:spcPts val="0"/>
-              </a:spcBef>
-              <a:spcAft>
-                <a:spcPts val="0"/>
-              </a:spcAft>
-              <a:buSzPts val="1100"/>
-              <a:buChar char="■"/>
-            </a:pPr>
-            <a:r>
-              <a:rPr lang="en"/>
-              <a:t>Moisture sensor - Biased return based on water pump</a:t>
-            </a:r>
-            <a:endParaRPr/>
-          </a:p>
-          <a:p>
-            <a:pPr indent="-298450" lvl="2" marL="1371600" rtl="0" algn="l">
-              <a:spcBef>
-                <a:spcPts val="0"/>
-              </a:spcBef>
-              <a:spcAft>
-                <a:spcPts val="0"/>
-              </a:spcAft>
-              <a:buSzPts val="1100"/>
-              <a:buChar char="■"/>
-            </a:pPr>
-            <a:r>
-              <a:rPr lang="en"/>
-              <a:t>Height sensor - Time delta changes plant height</a:t>
-            </a:r>
-            <a:r>
-              <a:rPr baseline="-25000" lang="en"/>
-              <a:t>, </a:t>
-            </a:r>
-            <a:r>
-              <a:rPr lang="en"/>
-              <a:t>after germination, at state call by task manager</a:t>
+              <a:t/>
             </a:r>
             <a:endParaRPr/>
           </a:p>
@@ -17725,7 +17791,7 @@
   <p:cSld>
     <p:spTree>
       <p:nvGrpSpPr>
-        <p:cNvPr id="176" name="Shape 176"/>
+        <p:cNvPr id="175" name="Shape 175"/>
         <p:cNvGrpSpPr/>
         <p:nvPr/>
       </p:nvGrpSpPr>
@@ -17739,7 +17805,7 @@
       </p:grpSpPr>
       <p:sp>
         <p:nvSpPr>
-          <p:cNvPr id="177" name="Google Shape;177;p20"/>
+          <p:cNvPr id="176" name="Google Shape;176;p20"/>
           <p:cNvSpPr txBox="1"/>
           <p:nvPr>
             <p:ph type="title"/>
@@ -17787,279 +17853,6 @@
             </a:pPr>
             <a:r>
               <a:rPr lang="en"/>
-              <a:t>	Created configuration file</a:t>
-            </a:r>
-            <a:endParaRPr/>
-          </a:p>
-        </p:txBody>
-      </p:sp>
-      <p:sp>
-        <p:nvSpPr>
-          <p:cNvPr id="178" name="Google Shape;178;p20"/>
-          <p:cNvSpPr txBox="1"/>
-          <p:nvPr>
-            <p:ph idx="1" type="body"/>
-          </p:nvPr>
-        </p:nvSpPr>
-        <p:spPr>
-          <a:xfrm>
-            <a:off x="1297500" y="1567550"/>
-            <a:ext cx="7038900" cy="2911200"/>
-          </a:xfrm>
-          <a:prstGeom prst="rect">
-            <a:avLst/>
-          </a:prstGeom>
-        </p:spPr>
-        <p:txBody>
-          <a:bodyPr anchorCtr="0" anchor="t" bIns="91425" lIns="91425" spcFirstLastPara="1" rIns="91425" wrap="square" tIns="91425">
-            <a:noAutofit/>
-          </a:bodyPr>
-          <a:lstStyle/>
-          <a:p>
-            <a:pPr indent="-311150" lvl="0" marL="457200" rtl="0" algn="l">
-              <a:spcBef>
-                <a:spcPts val="0"/>
-              </a:spcBef>
-              <a:spcAft>
-                <a:spcPts val="0"/>
-              </a:spcAft>
-              <a:buSzPts val="1300"/>
-              <a:buChar char="●"/>
-            </a:pPr>
-            <a:r>
-              <a:rPr lang="en"/>
-              <a:t>Uses a subset of the YAML Syntax.</a:t>
-            </a:r>
-            <a:endParaRPr/>
-          </a:p>
-          <a:p>
-            <a:pPr indent="-311150" lvl="0" marL="457200" rtl="0" algn="l">
-              <a:spcBef>
-                <a:spcPts val="0"/>
-              </a:spcBef>
-              <a:spcAft>
-                <a:spcPts val="0"/>
-              </a:spcAft>
-              <a:buSzPts val="1300"/>
-              <a:buChar char="●"/>
-            </a:pPr>
-            <a:r>
-              <a:rPr lang="en"/>
-              <a:t>Each phase consists of START, MONITOR, and END entries.</a:t>
-            </a:r>
-            <a:endParaRPr/>
-          </a:p>
-          <a:p>
-            <a:pPr indent="-311150" lvl="0" marL="457200" rtl="0" algn="l">
-              <a:spcBef>
-                <a:spcPts val="0"/>
-              </a:spcBef>
-              <a:spcAft>
-                <a:spcPts val="0"/>
-              </a:spcAft>
-              <a:buSzPts val="1300"/>
-              <a:buChar char="●"/>
-            </a:pPr>
-            <a:r>
-              <a:rPr lang="en"/>
-              <a:t>The entry for MONITOR contains sensor names, whose entries are multiple ranges of values, each of which correspond to a sequence of config actions.</a:t>
-            </a:r>
-            <a:endParaRPr/>
-          </a:p>
-          <a:p>
-            <a:pPr indent="-311150" lvl="0" marL="457200" rtl="0" algn="l">
-              <a:spcBef>
-                <a:spcPts val="0"/>
-              </a:spcBef>
-              <a:spcAft>
-                <a:spcPts val="0"/>
-              </a:spcAft>
-              <a:buSzPts val="1300"/>
-              <a:buChar char="●"/>
-            </a:pPr>
-            <a:r>
-              <a:rPr lang="en"/>
-              <a:t>START contains a sequence of config actions that initialize the system for a phase.</a:t>
-            </a:r>
-            <a:endParaRPr/>
-          </a:p>
-          <a:p>
-            <a:pPr indent="-311150" lvl="0" marL="457200" rtl="0" algn="l">
-              <a:spcBef>
-                <a:spcPts val="0"/>
-              </a:spcBef>
-              <a:spcAft>
-                <a:spcPts val="0"/>
-              </a:spcAft>
-              <a:buSzPts val="1300"/>
-              <a:buChar char="●"/>
-            </a:pPr>
-            <a:r>
-              <a:rPr lang="en"/>
-              <a:t>END contains a sequence of config actions that are executed on transitions.</a:t>
-            </a:r>
-            <a:endParaRPr/>
-          </a:p>
-          <a:p>
-            <a:pPr indent="-311150" lvl="0" marL="457200" rtl="0" algn="l">
-              <a:spcBef>
-                <a:spcPts val="0"/>
-              </a:spcBef>
-              <a:spcAft>
-                <a:spcPts val="0"/>
-              </a:spcAft>
-              <a:buSzPts val="1300"/>
-              <a:buChar char="●"/>
-            </a:pPr>
-            <a:r>
-              <a:rPr lang="en"/>
-              <a:t>Each config action comprises as a 3 part sequence</a:t>
-            </a:r>
-            <a:endParaRPr/>
-          </a:p>
-          <a:p>
-            <a:pPr indent="-298450" lvl="1" marL="914400" rtl="0" algn="l">
-              <a:spcBef>
-                <a:spcPts val="0"/>
-              </a:spcBef>
-              <a:spcAft>
-                <a:spcPts val="0"/>
-              </a:spcAft>
-              <a:buSzPts val="1100"/>
-              <a:buChar char="○"/>
-            </a:pPr>
-            <a:r>
-              <a:rPr lang="en"/>
-              <a:t>The first element is the operation “activate”, “set”, or “deactivate”</a:t>
-            </a:r>
-            <a:endParaRPr/>
-          </a:p>
-          <a:p>
-            <a:pPr indent="-298450" lvl="1" marL="914400" rtl="0" algn="l">
-              <a:spcBef>
-                <a:spcPts val="0"/>
-              </a:spcBef>
-              <a:spcAft>
-                <a:spcPts val="0"/>
-              </a:spcAft>
-              <a:buSzPts val="1100"/>
-              <a:buChar char="○"/>
-            </a:pPr>
-            <a:r>
-              <a:rPr lang="en"/>
-              <a:t>The second is the target of the operation. This is either an actuator or sensor name.</a:t>
-            </a:r>
-            <a:endParaRPr/>
-          </a:p>
-          <a:p>
-            <a:pPr indent="-298450" lvl="1" marL="914400" rtl="0" algn="l">
-              <a:spcBef>
-                <a:spcPts val="0"/>
-              </a:spcBef>
-              <a:spcAft>
-                <a:spcPts val="0"/>
-              </a:spcAft>
-              <a:buSzPts val="1100"/>
-              <a:buChar char="○"/>
-            </a:pPr>
-            <a:r>
-              <a:rPr lang="en"/>
-              <a:t>The third is parameters, each with a corresponding value.</a:t>
-            </a:r>
-            <a:endParaRPr/>
-          </a:p>
-          <a:p>
-            <a:pPr indent="0" lvl="0" marL="0" rtl="0" algn="l">
-              <a:spcBef>
-                <a:spcPts val="1600"/>
-              </a:spcBef>
-              <a:spcAft>
-                <a:spcPts val="1600"/>
-              </a:spcAft>
-              <a:buNone/>
-            </a:pPr>
-            <a:r>
-              <a:t/>
-            </a:r>
-            <a:endParaRPr/>
-          </a:p>
-        </p:txBody>
-      </p:sp>
-    </p:spTree>
-  </p:cSld>
-  <p:clrMapOvr>
-    <a:masterClrMapping/>
-  </p:clrMapOvr>
-</p:sld>
-</file>
-
-<file path=ppt/slides/slide9.xml><?xml version="1.0" encoding="utf-8"?>
-<p:sld xmlns:a="http://schemas.openxmlformats.org/drawingml/2006/main" xmlns:r="http://schemas.openxmlformats.org/officeDocument/2006/relationships" xmlns:mc="http://schemas.openxmlformats.org/markup-compatibility/2006" xmlns:mv="urn:schemas-microsoft-com:mac:vml" xmlns:p="http://schemas.openxmlformats.org/presentationml/2006/main" xmlns:c="http://schemas.openxmlformats.org/drawingml/2006/chart" xmlns:dgm="http://schemas.openxmlformats.org/drawingml/2006/diagram" xmlns:o="urn:schemas-microsoft-com:office:office" xmlns:v="urn:schemas-microsoft-com:vml" xmlns:pvml="urn:schemas-microsoft-com:office:powerpoint" xmlns:com="http://schemas.openxmlformats.org/drawingml/2006/compatibility" xmlns:p14="http://schemas.microsoft.com/office/powerpoint/2010/main" xmlns:p15="http://schemas.microsoft.com/office/powerpoint/2012/main">
-  <p:cSld>
-    <p:spTree>
-      <p:nvGrpSpPr>
-        <p:cNvPr id="182" name="Shape 182"/>
-        <p:cNvGrpSpPr/>
-        <p:nvPr/>
-      </p:nvGrpSpPr>
-      <p:grpSpPr>
-        <a:xfrm>
-          <a:off x="0" y="0"/>
-          <a:ext cx="0" cy="0"/>
-          <a:chOff x="0" y="0"/>
-          <a:chExt cx="0" cy="0"/>
-        </a:xfrm>
-      </p:grpSpPr>
-      <p:sp>
-        <p:nvSpPr>
-          <p:cNvPr id="183" name="Google Shape;183;p21"/>
-          <p:cNvSpPr txBox="1"/>
-          <p:nvPr>
-            <p:ph type="title"/>
-          </p:nvPr>
-        </p:nvSpPr>
-        <p:spPr>
-          <a:xfrm>
-            <a:off x="1297500" y="393750"/>
-            <a:ext cx="7038900" cy="914100"/>
-          </a:xfrm>
-          <a:prstGeom prst="rect">
-            <a:avLst/>
-          </a:prstGeom>
-        </p:spPr>
-        <p:txBody>
-          <a:bodyPr anchorCtr="0" anchor="t" bIns="91425" lIns="91425" spcFirstLastPara="1" rIns="91425" wrap="square" tIns="91425">
-            <a:noAutofit/>
-          </a:bodyPr>
-          <a:lstStyle/>
-          <a:p>
-            <a:pPr indent="0" lvl="0" marL="0" rtl="0" algn="l">
-              <a:spcBef>
-                <a:spcPts val="0"/>
-              </a:spcBef>
-              <a:spcAft>
-                <a:spcPts val="0"/>
-              </a:spcAft>
-              <a:buNone/>
-            </a:pPr>
-            <a:r>
-              <a:rPr lang="en"/>
-              <a:t>Task 4</a:t>
-            </a:r>
-            <a:endParaRPr/>
-          </a:p>
-          <a:p>
-            <a:pPr indent="0" lvl="0" marL="0" rtl="0" algn="l">
-              <a:spcBef>
-                <a:spcPts val="0"/>
-              </a:spcBef>
-              <a:spcAft>
-                <a:spcPts val="0"/>
-              </a:spcAft>
-              <a:buNone/>
-            </a:pPr>
-            <a:r>
-              <a:rPr lang="en"/>
               <a:t>	Simple configuration file example</a:t>
             </a:r>
             <a:endParaRPr/>
@@ -18068,7 +17861,7 @@
       </p:sp>
       <p:sp>
         <p:nvSpPr>
-          <p:cNvPr id="184" name="Google Shape;184;p21"/>
+          <p:cNvPr id="177" name="Google Shape;177;p20"/>
           <p:cNvSpPr txBox="1"/>
           <p:nvPr>
             <p:ph idx="1" type="body"/>
@@ -18122,7 +17915,7 @@
       </p:sp>
       <p:graphicFrame>
         <p:nvGraphicFramePr>
-          <p:cNvPr id="185" name="Google Shape;185;p21"/>
+          <p:cNvPr id="178" name="Google Shape;178;p20"/>
           <p:cNvGraphicFramePr/>
           <p:nvPr/>
         </p:nvGraphicFramePr>
@@ -18135,7 +17928,7 @@
             <a:tbl>
               <a:tblPr>
                 <a:noFill/>
-                <a:tableStyleId>{BA9FC830-2B1E-43D7-A9DB-7D3E48443836}</a:tableStyleId>
+                <a:tableStyleId>{3CAC4A35-095B-4D07-8AFF-2D276A3DFCC2}</a:tableStyleId>
               </a:tblPr>
               <a:tblGrid>
                 <a:gridCol w="2993775"/>
@@ -20722,6 +20515,213 @@
           </a:graphicData>
         </a:graphic>
       </p:graphicFrame>
+    </p:spTree>
+  </p:cSld>
+  <p:clrMapOvr>
+    <a:masterClrMapping/>
+  </p:clrMapOvr>
+</p:sld>
+</file>
+
+<file path=ppt/slides/slide9.xml><?xml version="1.0" encoding="utf-8"?>
+<p:sld xmlns:a="http://schemas.openxmlformats.org/drawingml/2006/main" xmlns:r="http://schemas.openxmlformats.org/officeDocument/2006/relationships" xmlns:mc="http://schemas.openxmlformats.org/markup-compatibility/2006" xmlns:mv="urn:schemas-microsoft-com:mac:vml" xmlns:p="http://schemas.openxmlformats.org/presentationml/2006/main" xmlns:c="http://schemas.openxmlformats.org/drawingml/2006/chart" xmlns:dgm="http://schemas.openxmlformats.org/drawingml/2006/diagram" xmlns:o="urn:schemas-microsoft-com:office:office" xmlns:v="urn:schemas-microsoft-com:vml" xmlns:pvml="urn:schemas-microsoft-com:office:powerpoint" xmlns:com="http://schemas.openxmlformats.org/drawingml/2006/compatibility" xmlns:p14="http://schemas.microsoft.com/office/powerpoint/2010/main" xmlns:p15="http://schemas.microsoft.com/office/powerpoint/2012/main">
+  <p:cSld>
+    <p:spTree>
+      <p:nvGrpSpPr>
+        <p:cNvPr id="182" name="Shape 182"/>
+        <p:cNvGrpSpPr/>
+        <p:nvPr/>
+      </p:nvGrpSpPr>
+      <p:grpSpPr>
+        <a:xfrm>
+          <a:off x="0" y="0"/>
+          <a:ext cx="0" cy="0"/>
+          <a:chOff x="0" y="0"/>
+          <a:chExt cx="0" cy="0"/>
+        </a:xfrm>
+      </p:grpSpPr>
+      <p:sp>
+        <p:nvSpPr>
+          <p:cNvPr id="183" name="Google Shape;183;p21"/>
+          <p:cNvSpPr txBox="1"/>
+          <p:nvPr>
+            <p:ph type="title"/>
+          </p:nvPr>
+        </p:nvSpPr>
+        <p:spPr>
+          <a:xfrm>
+            <a:off x="1297500" y="393750"/>
+            <a:ext cx="7038900" cy="914100"/>
+          </a:xfrm>
+          <a:prstGeom prst="rect">
+            <a:avLst/>
+          </a:prstGeom>
+        </p:spPr>
+        <p:txBody>
+          <a:bodyPr anchorCtr="0" anchor="t" bIns="91425" lIns="91425" spcFirstLastPara="1" rIns="91425" wrap="square" tIns="91425">
+            <a:noAutofit/>
+          </a:bodyPr>
+          <a:lstStyle/>
+          <a:p>
+            <a:pPr indent="0" lvl="0" marL="0" rtl="0" algn="l">
+              <a:spcBef>
+                <a:spcPts val="0"/>
+              </a:spcBef>
+              <a:spcAft>
+                <a:spcPts val="0"/>
+              </a:spcAft>
+              <a:buNone/>
+            </a:pPr>
+            <a:r>
+              <a:rPr lang="en"/>
+              <a:t>Task 4</a:t>
+            </a:r>
+            <a:endParaRPr/>
+          </a:p>
+          <a:p>
+            <a:pPr indent="0" lvl="0" marL="0" rtl="0" algn="l">
+              <a:spcBef>
+                <a:spcPts val="0"/>
+              </a:spcBef>
+              <a:spcAft>
+                <a:spcPts val="0"/>
+              </a:spcAft>
+              <a:buNone/>
+            </a:pPr>
+            <a:r>
+              <a:rPr lang="en"/>
+              <a:t>	Created configuration file parser</a:t>
+            </a:r>
+            <a:endParaRPr/>
+          </a:p>
+        </p:txBody>
+      </p:sp>
+      <p:sp>
+        <p:nvSpPr>
+          <p:cNvPr id="184" name="Google Shape;184;p21"/>
+          <p:cNvSpPr txBox="1"/>
+          <p:nvPr>
+            <p:ph idx="1" type="body"/>
+          </p:nvPr>
+        </p:nvSpPr>
+        <p:spPr>
+          <a:xfrm>
+            <a:off x="1297500" y="1567550"/>
+            <a:ext cx="7038900" cy="2911200"/>
+          </a:xfrm>
+          <a:prstGeom prst="rect">
+            <a:avLst/>
+          </a:prstGeom>
+        </p:spPr>
+        <p:txBody>
+          <a:bodyPr anchorCtr="0" anchor="t" bIns="91425" lIns="91425" spcFirstLastPara="1" rIns="91425" wrap="square" tIns="91425">
+            <a:noAutofit/>
+          </a:bodyPr>
+          <a:lstStyle/>
+          <a:p>
+            <a:pPr indent="-311150" lvl="0" marL="457200" rtl="0" algn="l">
+              <a:spcBef>
+                <a:spcPts val="0"/>
+              </a:spcBef>
+              <a:spcAft>
+                <a:spcPts val="0"/>
+              </a:spcAft>
+              <a:buSzPts val="1300"/>
+              <a:buChar char="●"/>
+            </a:pPr>
+            <a:r>
+              <a:rPr lang="en"/>
+              <a:t>Converts the config file to the systems internal representation of the configuration.</a:t>
+            </a:r>
+            <a:endParaRPr/>
+          </a:p>
+          <a:p>
+            <a:pPr indent="-311150" lvl="0" marL="457200" rtl="0" algn="l">
+              <a:spcBef>
+                <a:spcPts val="0"/>
+              </a:spcBef>
+              <a:spcAft>
+                <a:spcPts val="0"/>
+              </a:spcAft>
+              <a:buSzPts val="1300"/>
+              <a:buChar char="●"/>
+            </a:pPr>
+            <a:r>
+              <a:rPr lang="en"/>
+              <a:t>Validates the internal structure.</a:t>
+            </a:r>
+            <a:endParaRPr/>
+          </a:p>
+          <a:p>
+            <a:pPr indent="-311150" lvl="0" marL="457200" rtl="0" algn="l">
+              <a:spcBef>
+                <a:spcPts val="0"/>
+              </a:spcBef>
+              <a:spcAft>
+                <a:spcPts val="0"/>
+              </a:spcAft>
+              <a:buSzPts val="1300"/>
+              <a:buChar char="●"/>
+            </a:pPr>
+            <a:r>
+              <a:rPr lang="en"/>
+              <a:t>Validates the syntax against reserved words and whether targets contain parameters specified.</a:t>
+            </a:r>
+            <a:endParaRPr/>
+          </a:p>
+          <a:p>
+            <a:pPr indent="-311150" lvl="0" marL="457200" rtl="0" algn="l">
+              <a:spcBef>
+                <a:spcPts val="0"/>
+              </a:spcBef>
+              <a:spcAft>
+                <a:spcPts val="0"/>
+              </a:spcAft>
+              <a:buSzPts val="1300"/>
+              <a:buChar char="●"/>
+            </a:pPr>
+            <a:r>
+              <a:rPr lang="en"/>
+              <a:t>Normalizes units provided to a standard internal representation.</a:t>
+            </a:r>
+            <a:endParaRPr/>
+          </a:p>
+          <a:p>
+            <a:pPr indent="-311150" lvl="0" marL="457200" rtl="0" algn="l">
+              <a:spcBef>
+                <a:spcPts val="0"/>
+              </a:spcBef>
+              <a:spcAft>
+                <a:spcPts val="0"/>
+              </a:spcAft>
+              <a:buSzPts val="1300"/>
+              <a:buChar char="●"/>
+            </a:pPr>
+            <a:r>
+              <a:rPr lang="en"/>
+              <a:t>e.g. minutes, hours, and days get converted into seconds.</a:t>
+            </a:r>
+            <a:endParaRPr/>
+          </a:p>
+          <a:p>
+            <a:pPr indent="-311150" lvl="0" marL="457200" rtl="0" algn="l">
+              <a:spcBef>
+                <a:spcPts val="0"/>
+              </a:spcBef>
+              <a:spcAft>
+                <a:spcPts val="0"/>
+              </a:spcAft>
+              <a:buSzPts val="1300"/>
+              <a:buChar char="●"/>
+            </a:pPr>
+            <a:r>
+              <a:rPr lang="en"/>
+              <a:t>Plans to include validation of sensor/actuator dependencies instead of using reserved words.</a:t>
+            </a:r>
+            <a:endParaRPr/>
+          </a:p>
+        </p:txBody>
+      </p:sp>
     </p:spTree>
   </p:cSld>
   <p:clrMapOvr>

--- a/docs/Milestone2Presentation.pptx
+++ b/docs/Milestone2Presentation.pptx
@@ -921,7 +921,7 @@
   <p:cSld>
     <p:spTree>
       <p:nvGrpSpPr>
-        <p:cNvPr id="192" name="Shape 192"/>
+        <p:cNvPr id="193" name="Shape 193"/>
         <p:cNvGrpSpPr/>
         <p:nvPr/>
       </p:nvGrpSpPr>
@@ -935,7 +935,7 @@
       </p:grpSpPr>
       <p:sp>
         <p:nvSpPr>
-          <p:cNvPr id="193" name="Google Shape;193;g7087a9191e_0_13:notes"/>
+          <p:cNvPr id="194" name="Google Shape;194;g7087a9191e_0_13:notes"/>
           <p:cNvSpPr/>
           <p:nvPr>
             <p:ph idx="2" type="sldImg"/>
@@ -970,7 +970,7 @@
       </p:sp>
       <p:sp>
         <p:nvSpPr>
-          <p:cNvPr id="194" name="Google Shape;194;g7087a9191e_0_13:notes"/>
+          <p:cNvPr id="195" name="Google Shape;195;g7087a9191e_0_13:notes"/>
           <p:cNvSpPr txBox="1"/>
           <p:nvPr>
             <p:ph idx="1" type="body"/>
@@ -1069,7 +1069,7 @@
   <p:cSld>
     <p:spTree>
       <p:nvGrpSpPr>
-        <p:cNvPr id="199" name="Shape 199"/>
+        <p:cNvPr id="200" name="Shape 200"/>
         <p:cNvGrpSpPr/>
         <p:nvPr/>
       </p:nvGrpSpPr>
@@ -1083,7 +1083,7 @@
       </p:grpSpPr>
       <p:sp>
         <p:nvSpPr>
-          <p:cNvPr id="200" name="Google Shape;200;g7087a9191e_0_2:notes"/>
+          <p:cNvPr id="201" name="Google Shape;201;g7087a9191e_0_2:notes"/>
           <p:cNvSpPr/>
           <p:nvPr>
             <p:ph idx="2" type="sldImg"/>
@@ -1118,7 +1118,7 @@
       </p:sp>
       <p:sp>
         <p:nvSpPr>
-          <p:cNvPr id="201" name="Google Shape;201;g7087a9191e_0_2:notes"/>
+          <p:cNvPr id="202" name="Google Shape;202;g7087a9191e_0_2:notes"/>
           <p:cNvSpPr txBox="1"/>
           <p:nvPr>
             <p:ph idx="1" type="body"/>
@@ -1168,7 +1168,7 @@
   <p:cSld>
     <p:spTree>
       <p:nvGrpSpPr>
-        <p:cNvPr id="206" name="Shape 206"/>
+        <p:cNvPr id="207" name="Shape 207"/>
         <p:cNvGrpSpPr/>
         <p:nvPr/>
       </p:nvGrpSpPr>
@@ -1182,7 +1182,7 @@
       </p:grpSpPr>
       <p:sp>
         <p:nvSpPr>
-          <p:cNvPr id="207" name="Google Shape;207;g655fb75fa7_0_69:notes"/>
+          <p:cNvPr id="208" name="Google Shape;208;g655fb75fa7_0_69:notes"/>
           <p:cNvSpPr/>
           <p:nvPr>
             <p:ph idx="2" type="sldImg"/>
@@ -1217,7 +1217,7 @@
       </p:sp>
       <p:sp>
         <p:nvSpPr>
-          <p:cNvPr id="208" name="Google Shape;208;g655fb75fa7_0_69:notes"/>
+          <p:cNvPr id="209" name="Google Shape;209;g655fb75fa7_0_69:notes"/>
           <p:cNvSpPr txBox="1"/>
           <p:nvPr>
             <p:ph idx="1" type="body"/>
@@ -1267,7 +1267,7 @@
   <p:cSld>
     <p:spTree>
       <p:nvGrpSpPr>
-        <p:cNvPr id="212" name="Shape 212"/>
+        <p:cNvPr id="213" name="Shape 213"/>
         <p:cNvGrpSpPr/>
         <p:nvPr/>
       </p:nvGrpSpPr>
@@ -1281,7 +1281,7 @@
       </p:grpSpPr>
       <p:sp>
         <p:nvSpPr>
-          <p:cNvPr id="213" name="Google Shape;213;g655fb75fa7_0_64:notes"/>
+          <p:cNvPr id="214" name="Google Shape;214;g655fb75fa7_0_64:notes"/>
           <p:cNvSpPr/>
           <p:nvPr>
             <p:ph idx="2" type="sldImg"/>
@@ -1316,7 +1316,7 @@
       </p:sp>
       <p:sp>
         <p:nvSpPr>
-          <p:cNvPr id="214" name="Google Shape;214;g655fb75fa7_0_64:notes"/>
+          <p:cNvPr id="215" name="Google Shape;215;g655fb75fa7_0_64:notes"/>
           <p:cNvSpPr txBox="1"/>
           <p:nvPr>
             <p:ph idx="1" type="body"/>
@@ -1366,7 +1366,7 @@
   <p:cSld>
     <p:spTree>
       <p:nvGrpSpPr>
-        <p:cNvPr id="218" name="Shape 218"/>
+        <p:cNvPr id="219" name="Shape 219"/>
         <p:cNvGrpSpPr/>
         <p:nvPr/>
       </p:nvGrpSpPr>
@@ -1380,7 +1380,7 @@
       </p:grpSpPr>
       <p:sp>
         <p:nvSpPr>
-          <p:cNvPr id="219" name="Google Shape;219;g655fb75fa7_2_6:notes"/>
+          <p:cNvPr id="220" name="Google Shape;220;g655fb75fa7_2_6:notes"/>
           <p:cNvSpPr/>
           <p:nvPr>
             <p:ph idx="2" type="sldImg"/>
@@ -1415,7 +1415,7 @@
       </p:sp>
       <p:sp>
         <p:nvSpPr>
-          <p:cNvPr id="220" name="Google Shape;220;g655fb75fa7_2_6:notes"/>
+          <p:cNvPr id="221" name="Google Shape;221;g655fb75fa7_2_6:notes"/>
           <p:cNvSpPr txBox="1"/>
           <p:nvPr>
             <p:ph idx="1" type="body"/>
@@ -1465,7 +1465,7 @@
   <p:cSld>
     <p:spTree>
       <p:nvGrpSpPr>
-        <p:cNvPr id="226" name="Shape 226"/>
+        <p:cNvPr id="227" name="Shape 227"/>
         <p:cNvGrpSpPr/>
         <p:nvPr/>
       </p:nvGrpSpPr>
@@ -1479,7 +1479,7 @@
       </p:grpSpPr>
       <p:sp>
         <p:nvSpPr>
-          <p:cNvPr id="227" name="Google Shape;227;g6fa9f94df1_0_7:notes"/>
+          <p:cNvPr id="228" name="Google Shape;228;g6fa9f94df1_0_7:notes"/>
           <p:cNvSpPr/>
           <p:nvPr>
             <p:ph idx="2" type="sldImg"/>
@@ -1514,7 +1514,7 @@
       </p:sp>
       <p:sp>
         <p:nvSpPr>
-          <p:cNvPr id="228" name="Google Shape;228;g6fa9f94df1_0_7:notes"/>
+          <p:cNvPr id="229" name="Google Shape;229;g6fa9f94df1_0_7:notes"/>
           <p:cNvSpPr txBox="1"/>
           <p:nvPr>
             <p:ph idx="1" type="body"/>
@@ -1564,7 +1564,7 @@
   <p:cSld>
     <p:spTree>
       <p:nvGrpSpPr>
-        <p:cNvPr id="232" name="Shape 232"/>
+        <p:cNvPr id="233" name="Shape 233"/>
         <p:cNvGrpSpPr/>
         <p:nvPr/>
       </p:nvGrpSpPr>
@@ -1578,7 +1578,7 @@
       </p:grpSpPr>
       <p:sp>
         <p:nvSpPr>
-          <p:cNvPr id="233" name="Google Shape;233;g62ca61d788_0_31:notes"/>
+          <p:cNvPr id="234" name="Google Shape;234;g62ca61d788_0_31:notes"/>
           <p:cNvSpPr/>
           <p:nvPr>
             <p:ph idx="2" type="sldImg"/>
@@ -1613,7 +1613,7 @@
       </p:sp>
       <p:sp>
         <p:nvSpPr>
-          <p:cNvPr id="234" name="Google Shape;234;g62ca61d788_0_31:notes"/>
+          <p:cNvPr id="235" name="Google Shape;235;g62ca61d788_0_31:notes"/>
           <p:cNvSpPr txBox="1"/>
           <p:nvPr>
             <p:ph idx="1" type="body"/>
@@ -11181,6 +11181,34 @@
           </a:p>
         </p:txBody>
       </p:sp>
+      <p:pic>
+        <p:nvPicPr>
+          <p:cNvPr id="192" name="Google Shape;192;p22"/>
+          <p:cNvPicPr preferRelativeResize="0"/>
+          <p:nvPr/>
+        </p:nvPicPr>
+        <p:blipFill>
+          <a:blip r:embed="rId3">
+            <a:alphaModFix/>
+          </a:blip>
+          <a:stretch>
+            <a:fillRect/>
+          </a:stretch>
+        </p:blipFill>
+        <p:spPr>
+          <a:xfrm rot="-806926">
+            <a:off x="201645" y="2976022"/>
+            <a:ext cx="1965812" cy="1965831"/>
+          </a:xfrm>
+          <a:prstGeom prst="rect">
+            <a:avLst/>
+          </a:prstGeom>
+          <a:noFill/>
+          <a:ln>
+            <a:noFill/>
+          </a:ln>
+        </p:spPr>
+      </p:pic>
     </p:spTree>
   </p:cSld>
   <p:clrMapOvr>
@@ -11194,7 +11222,7 @@
   <p:cSld>
     <p:spTree>
       <p:nvGrpSpPr>
-        <p:cNvPr id="195" name="Shape 195"/>
+        <p:cNvPr id="196" name="Shape 196"/>
         <p:cNvGrpSpPr/>
         <p:nvPr/>
       </p:nvGrpSpPr>
@@ -11208,7 +11236,7 @@
       </p:grpSpPr>
       <p:sp>
         <p:nvSpPr>
-          <p:cNvPr id="196" name="Google Shape;196;p23"/>
+          <p:cNvPr id="197" name="Google Shape;197;p23"/>
           <p:cNvSpPr txBox="1"/>
           <p:nvPr>
             <p:ph type="title"/>
@@ -11264,7 +11292,7 @@
       </p:sp>
       <p:pic>
         <p:nvPicPr>
-          <p:cNvPr id="197" name="Google Shape;197;p23"/>
+          <p:cNvPr id="198" name="Google Shape;198;p23"/>
           <p:cNvPicPr preferRelativeResize="0"/>
           <p:nvPr/>
         </p:nvPicPr>
@@ -11298,7 +11326,7 @@
       </p:pic>
       <p:sp>
         <p:nvSpPr>
-          <p:cNvPr id="198" name="Google Shape;198;p23"/>
+          <p:cNvPr id="199" name="Google Shape;199;p23"/>
           <p:cNvSpPr txBox="1"/>
           <p:nvPr/>
         </p:nvSpPr>
@@ -11483,7 +11511,7 @@
   <p:cSld>
     <p:spTree>
       <p:nvGrpSpPr>
-        <p:cNvPr id="202" name="Shape 202"/>
+        <p:cNvPr id="203" name="Shape 203"/>
         <p:cNvGrpSpPr/>
         <p:nvPr/>
       </p:nvGrpSpPr>
@@ -11497,7 +11525,7 @@
       </p:grpSpPr>
       <p:sp>
         <p:nvSpPr>
-          <p:cNvPr id="203" name="Google Shape;203;p24"/>
+          <p:cNvPr id="204" name="Google Shape;204;p24"/>
           <p:cNvSpPr txBox="1"/>
           <p:nvPr>
             <p:ph type="title"/>
@@ -11553,7 +11581,7 @@
       </p:sp>
       <p:sp>
         <p:nvSpPr>
-          <p:cNvPr id="204" name="Google Shape;204;p24"/>
+          <p:cNvPr id="205" name="Google Shape;205;p24"/>
           <p:cNvSpPr txBox="1"/>
           <p:nvPr>
             <p:ph idx="1" type="body"/>
@@ -11661,7 +11689,7 @@
       </p:sp>
       <p:pic>
         <p:nvPicPr>
-          <p:cNvPr id="205" name="Google Shape;205;p24"/>
+          <p:cNvPr id="206" name="Google Shape;206;p24"/>
           <p:cNvPicPr preferRelativeResize="0"/>
           <p:nvPr/>
         </p:nvPicPr>
@@ -11700,7 +11728,7 @@
   <p:cSld>
     <p:spTree>
       <p:nvGrpSpPr>
-        <p:cNvPr id="209" name="Shape 209"/>
+        <p:cNvPr id="210" name="Shape 210"/>
         <p:cNvGrpSpPr/>
         <p:nvPr/>
       </p:nvGrpSpPr>
@@ -11714,7 +11742,7 @@
       </p:grpSpPr>
       <p:sp>
         <p:nvSpPr>
-          <p:cNvPr id="210" name="Google Shape;210;p25"/>
+          <p:cNvPr id="211" name="Google Shape;211;p25"/>
           <p:cNvSpPr txBox="1"/>
           <p:nvPr>
             <p:ph type="title"/>
@@ -11769,7 +11797,7 @@
       </p:sp>
       <p:sp>
         <p:nvSpPr>
-          <p:cNvPr id="211" name="Google Shape;211;p25"/>
+          <p:cNvPr id="212" name="Google Shape;212;p25"/>
           <p:cNvSpPr txBox="1"/>
           <p:nvPr>
             <p:ph idx="1" type="body"/>
@@ -11829,7 +11857,7 @@
   <p:cSld>
     <p:spTree>
       <p:nvGrpSpPr>
-        <p:cNvPr id="215" name="Shape 215"/>
+        <p:cNvPr id="216" name="Shape 216"/>
         <p:cNvGrpSpPr/>
         <p:nvPr/>
       </p:nvGrpSpPr>
@@ -11843,7 +11871,7 @@
       </p:grpSpPr>
       <p:sp>
         <p:nvSpPr>
-          <p:cNvPr id="216" name="Google Shape;216;p26"/>
+          <p:cNvPr id="217" name="Google Shape;217;p26"/>
           <p:cNvSpPr txBox="1"/>
           <p:nvPr>
             <p:ph type="title"/>
@@ -11883,7 +11911,7 @@
       </p:sp>
       <p:graphicFrame>
         <p:nvGraphicFramePr>
-          <p:cNvPr id="217" name="Google Shape;217;p26"/>
+          <p:cNvPr id="218" name="Google Shape;218;p26"/>
           <p:cNvGraphicFramePr/>
           <p:nvPr/>
         </p:nvGraphicFramePr>
@@ -11896,7 +11924,7 @@
             <a:tbl>
               <a:tblPr>
                 <a:noFill/>
-                <a:tableStyleId>{4439D5A5-3D1D-4D25-93E4-BC4AF71C8423}</a:tableStyleId>
+                <a:tableStyleId>{DCC34BC3-C6BD-4D5B-B542-9ECCFD8E85CF}</a:tableStyleId>
               </a:tblPr>
               <a:tblGrid>
                 <a:gridCol w="2481975"/>
@@ -13071,7 +13099,7 @@
   <p:cSld>
     <p:spTree>
       <p:nvGrpSpPr>
-        <p:cNvPr id="221" name="Shape 221"/>
+        <p:cNvPr id="222" name="Shape 222"/>
         <p:cNvGrpSpPr/>
         <p:nvPr/>
       </p:nvGrpSpPr>
@@ -13085,7 +13113,7 @@
       </p:grpSpPr>
       <p:sp>
         <p:nvSpPr>
-          <p:cNvPr id="222" name="Google Shape;222;p27"/>
+          <p:cNvPr id="223" name="Google Shape;223;p27"/>
           <p:cNvSpPr txBox="1"/>
           <p:nvPr>
             <p:ph type="title"/>
@@ -13125,7 +13153,7 @@
       </p:sp>
       <p:graphicFrame>
         <p:nvGraphicFramePr>
-          <p:cNvPr id="223" name="Google Shape;223;p27"/>
+          <p:cNvPr id="224" name="Google Shape;224;p27"/>
           <p:cNvGraphicFramePr/>
           <p:nvPr/>
         </p:nvGraphicFramePr>
@@ -13138,7 +13166,7 @@
             <a:tbl>
               <a:tblPr>
                 <a:noFill/>
-                <a:tableStyleId>{4439D5A5-3D1D-4D25-93E4-BC4AF71C8423}</a:tableStyleId>
+                <a:tableStyleId>{DCC34BC3-C6BD-4D5B-B542-9ECCFD8E85CF}</a:tableStyleId>
               </a:tblPr>
               <a:tblGrid>
                 <a:gridCol w="2481975"/>
@@ -14114,7 +14142,7 @@
       </p:graphicFrame>
       <p:graphicFrame>
         <p:nvGraphicFramePr>
-          <p:cNvPr id="224" name="Google Shape;224;p27"/>
+          <p:cNvPr id="225" name="Google Shape;225;p27"/>
           <p:cNvGraphicFramePr/>
           <p:nvPr/>
         </p:nvGraphicFramePr>
@@ -14127,7 +14155,7 @@
             <a:tbl>
               <a:tblPr>
                 <a:noFill/>
-                <a:tableStyleId>{4439D5A5-3D1D-4D25-93E4-BC4AF71C8423}</a:tableStyleId>
+                <a:tableStyleId>{DCC34BC3-C6BD-4D5B-B542-9ECCFD8E85CF}</a:tableStyleId>
               </a:tblPr>
               <a:tblGrid>
                 <a:gridCol w="1434000"/>
@@ -15404,7 +15432,7 @@
       </p:graphicFrame>
       <p:sp>
         <p:nvSpPr>
-          <p:cNvPr id="225" name="Google Shape;225;p27"/>
+          <p:cNvPr id="226" name="Google Shape;226;p27"/>
           <p:cNvSpPr txBox="1"/>
           <p:nvPr/>
         </p:nvSpPr>
@@ -15520,7 +15548,7 @@
   <p:cSld>
     <p:spTree>
       <p:nvGrpSpPr>
-        <p:cNvPr id="229" name="Shape 229"/>
+        <p:cNvPr id="230" name="Shape 230"/>
         <p:cNvGrpSpPr/>
         <p:nvPr/>
       </p:nvGrpSpPr>
@@ -15534,7 +15562,7 @@
       </p:grpSpPr>
       <p:sp>
         <p:nvSpPr>
-          <p:cNvPr id="230" name="Google Shape;230;p28"/>
+          <p:cNvPr id="231" name="Google Shape;231;p28"/>
           <p:cNvSpPr txBox="1"/>
           <p:nvPr>
             <p:ph type="title"/>
@@ -15574,7 +15602,7 @@
       </p:sp>
       <p:pic>
         <p:nvPicPr>
-          <p:cNvPr id="231" name="Google Shape;231;p28"/>
+          <p:cNvPr id="232" name="Google Shape;232;p28"/>
           <p:cNvPicPr preferRelativeResize="0"/>
           <p:nvPr/>
         </p:nvPicPr>
@@ -15613,7 +15641,7 @@
   <p:cSld>
     <p:spTree>
       <p:nvGrpSpPr>
-        <p:cNvPr id="235" name="Shape 235"/>
+        <p:cNvPr id="236" name="Shape 236"/>
         <p:cNvGrpSpPr/>
         <p:nvPr/>
       </p:nvGrpSpPr>
@@ -15627,7 +15655,7 @@
       </p:grpSpPr>
       <p:sp>
         <p:nvSpPr>
-          <p:cNvPr id="236" name="Google Shape;236;p29"/>
+          <p:cNvPr id="237" name="Google Shape;237;p29"/>
           <p:cNvSpPr txBox="1"/>
           <p:nvPr>
             <p:ph idx="1" type="body"/>
@@ -15753,7 +15781,7 @@
             <a:tbl>
               <a:tblPr>
                 <a:noFill/>
-                <a:tableStyleId>{4439D5A5-3D1D-4D25-93E4-BC4AF71C8423}</a:tableStyleId>
+                <a:tableStyleId>{DCC34BC3-C6BD-4D5B-B542-9ECCFD8E85CF}</a:tableStyleId>
               </a:tblPr>
               <a:tblGrid>
                 <a:gridCol w="2481975"/>
@@ -17928,7 +17956,7 @@
             <a:tbl>
               <a:tblPr>
                 <a:noFill/>
-                <a:tableStyleId>{3CAC4A35-095B-4D07-8AFF-2D276A3DFCC2}</a:tableStyleId>
+                <a:tableStyleId>{245681DC-C50A-489D-BF22-BDF385D307BC}</a:tableStyleId>
               </a:tblPr>
               <a:tblGrid>
                 <a:gridCol w="2993775"/>
@@ -20731,6 +20759,285 @@
 </file>
 
 <file path=ppt/theme/theme1.xml><?xml version="1.0" encoding="utf-8"?>
+<a:theme xmlns:a="http://schemas.openxmlformats.org/drawingml/2006/main" xmlns:r="http://schemas.openxmlformats.org/officeDocument/2006/relationships" name="Focus">
+  <a:themeElements>
+    <a:clrScheme name="Focus">
+      <a:dk1>
+        <a:srgbClr val="1B212C"/>
+      </a:dk1>
+      <a:lt1>
+        <a:srgbClr val="FFFFFF"/>
+      </a:lt1>
+      <a:dk2>
+        <a:srgbClr val="D9D9D9"/>
+      </a:dk2>
+      <a:lt2>
+        <a:srgbClr val="82C7A5"/>
+      </a:lt2>
+      <a:accent1>
+        <a:srgbClr val="0145AC"/>
+      </a:accent1>
+      <a:accent2>
+        <a:srgbClr val="EECE1A"/>
+      </a:accent2>
+      <a:accent3>
+        <a:srgbClr val="4E5567"/>
+      </a:accent3>
+      <a:accent4>
+        <a:srgbClr val="F4D6AD"/>
+      </a:accent4>
+      <a:accent5>
+        <a:srgbClr val="7890CD"/>
+      </a:accent5>
+      <a:accent6>
+        <a:srgbClr val="F15E22"/>
+      </a:accent6>
+      <a:hlink>
+        <a:srgbClr val="7890CD"/>
+      </a:hlink>
+      <a:folHlink>
+        <a:srgbClr val="7890CD"/>
+      </a:folHlink>
+    </a:clrScheme>
+    <a:fontScheme name="Office">
+      <a:majorFont>
+        <a:latin typeface="Arial"/>
+        <a:ea typeface=""/>
+        <a:cs typeface=""/>
+        <a:font script="Jpan" typeface="ＭＳ Ｐゴシック"/>
+        <a:font script="Hang" typeface="맑은 고딕"/>
+        <a:font script="Hans" typeface="宋体"/>
+        <a:font script="Hant" typeface="新細明體"/>
+        <a:font script="Arab" typeface="Times New Roman"/>
+        <a:font script="Hebr" typeface="Times New Roman"/>
+        <a:font script="Thai" typeface="Angsana New"/>
+        <a:font script="Ethi" typeface="Nyala"/>
+        <a:font script="Beng" typeface="Vrinda"/>
+        <a:font script="Gujr" typeface="Shruti"/>
+        <a:font script="Khmr" typeface="MoolBoran"/>
+        <a:font script="Knda" typeface="Tunga"/>
+        <a:font script="Guru" typeface="Raavi"/>
+        <a:font script="Cans" typeface="Euphemia"/>
+        <a:font script="Cher" typeface="Plantagenet Cherokee"/>
+        <a:font script="Yiii" typeface="Microsoft Yi Baiti"/>
+        <a:font script="Tibt" typeface="Microsoft Himalaya"/>
+        <a:font script="Thaa" typeface="MV Boli"/>
+        <a:font script="Deva" typeface="Mangal"/>
+        <a:font script="Telu" typeface="Gautami"/>
+        <a:font script="Taml" typeface="Latha"/>
+        <a:font script="Syrc" typeface="Estrangelo Edessa"/>
+        <a:font script="Orya" typeface="Kalinga"/>
+        <a:font script="Mlym" typeface="Kartika"/>
+        <a:font script="Laoo" typeface="DokChampa"/>
+        <a:font script="Sinh" typeface="Iskoola Pota"/>
+        <a:font script="Mong" typeface="Mongolian Baiti"/>
+        <a:font script="Viet" typeface="Times New Roman"/>
+        <a:font script="Uigh" typeface="Microsoft Uighur"/>
+        <a:font script="Geor" typeface="Sylfaen"/>
+      </a:majorFont>
+      <a:minorFont>
+        <a:latin typeface="Arial"/>
+        <a:ea typeface=""/>
+        <a:cs typeface=""/>
+        <a:font script="Jpan" typeface="ＭＳ Ｐゴシック"/>
+        <a:font script="Hang" typeface="맑은 고딕"/>
+        <a:font script="Hans" typeface="宋体"/>
+        <a:font script="Hant" typeface="新細明體"/>
+        <a:font script="Arab" typeface="Arial"/>
+        <a:font script="Hebr" typeface="Arial"/>
+        <a:font script="Thai" typeface="Cordia New"/>
+        <a:font script="Ethi" typeface="Nyala"/>
+        <a:font script="Beng" typeface="Vrinda"/>
+        <a:font script="Gujr" typeface="Shruti"/>
+        <a:font script="Khmr" typeface="DaunPenh"/>
+        <a:font script="Knda" typeface="Tunga"/>
+        <a:font script="Guru" typeface="Raavi"/>
+        <a:font script="Cans" typeface="Euphemia"/>
+        <a:font script="Cher" typeface="Plantagenet Cherokee"/>
+        <a:font script="Yiii" typeface="Microsoft Yi Baiti"/>
+        <a:font script="Tibt" typeface="Microsoft Himalaya"/>
+        <a:font script="Thaa" typeface="MV Boli"/>
+        <a:font script="Deva" typeface="Mangal"/>
+        <a:font script="Telu" typeface="Gautami"/>
+        <a:font script="Taml" typeface="Latha"/>
+        <a:font script="Syrc" typeface="Estrangelo Edessa"/>
+        <a:font script="Orya" typeface="Kalinga"/>
+        <a:font script="Mlym" typeface="Kartika"/>
+        <a:font script="Laoo" typeface="DokChampa"/>
+        <a:font script="Sinh" typeface="Iskoola Pota"/>
+        <a:font script="Mong" typeface="Mongolian Baiti"/>
+        <a:font script="Viet" typeface="Arial"/>
+        <a:font script="Uigh" typeface="Microsoft Uighur"/>
+        <a:font script="Geor" typeface="Sylfaen"/>
+      </a:minorFont>
+    </a:fontScheme>
+    <a:fmtScheme name="Office">
+      <a:fillStyleLst>
+        <a:solidFill>
+          <a:schemeClr val="phClr"/>
+        </a:solidFill>
+        <a:gradFill rotWithShape="1">
+          <a:gsLst>
+            <a:gs pos="0">
+              <a:schemeClr val="phClr">
+                <a:tint val="50000"/>
+                <a:satMod val="300000"/>
+              </a:schemeClr>
+            </a:gs>
+            <a:gs pos="35000">
+              <a:schemeClr val="phClr">
+                <a:tint val="37000"/>
+                <a:satMod val="300000"/>
+              </a:schemeClr>
+            </a:gs>
+            <a:gs pos="100000">
+              <a:schemeClr val="phClr">
+                <a:tint val="15000"/>
+                <a:satMod val="350000"/>
+              </a:schemeClr>
+            </a:gs>
+          </a:gsLst>
+          <a:lin ang="16200000" scaled="1"/>
+        </a:gradFill>
+        <a:gradFill rotWithShape="1">
+          <a:gsLst>
+            <a:gs pos="0">
+              <a:schemeClr val="phClr">
+                <a:tint val="100000"/>
+                <a:shade val="100000"/>
+                <a:satMod val="130000"/>
+              </a:schemeClr>
+            </a:gs>
+            <a:gs pos="100000">
+              <a:schemeClr val="phClr">
+                <a:tint val="50000"/>
+                <a:shade val="100000"/>
+                <a:satMod val="350000"/>
+              </a:schemeClr>
+            </a:gs>
+          </a:gsLst>
+          <a:lin ang="16200000" scaled="0"/>
+        </a:gradFill>
+      </a:fillStyleLst>
+      <a:lnStyleLst>
+        <a:ln w="9525" cap="flat" cmpd="sng" algn="ctr">
+          <a:solidFill>
+            <a:schemeClr val="phClr">
+              <a:shade val="95000"/>
+              <a:satMod val="105000"/>
+            </a:schemeClr>
+          </a:solidFill>
+          <a:prstDash val="solid"/>
+        </a:ln>
+        <a:ln w="25400" cap="flat" cmpd="sng" algn="ctr">
+          <a:solidFill>
+            <a:schemeClr val="phClr"/>
+          </a:solidFill>
+          <a:prstDash val="solid"/>
+        </a:ln>
+        <a:ln w="38100" cap="flat" cmpd="sng" algn="ctr">
+          <a:solidFill>
+            <a:schemeClr val="phClr"/>
+          </a:solidFill>
+          <a:prstDash val="solid"/>
+        </a:ln>
+      </a:lnStyleLst>
+      <a:effectStyleLst>
+        <a:effectStyle>
+          <a:effectLst>
+            <a:outerShdw blurRad="40000" dist="20000" dir="5400000" rotWithShape="0">
+              <a:srgbClr val="000000">
+                <a:alpha val="38000"/>
+              </a:srgbClr>
+            </a:outerShdw>
+          </a:effectLst>
+        </a:effectStyle>
+        <a:effectStyle>
+          <a:effectLst>
+            <a:outerShdw blurRad="40000" dist="23000" dir="5400000" rotWithShape="0">
+              <a:srgbClr val="000000">
+                <a:alpha val="35000"/>
+              </a:srgbClr>
+            </a:outerShdw>
+          </a:effectLst>
+        </a:effectStyle>
+        <a:effectStyle>
+          <a:effectLst>
+            <a:outerShdw blurRad="40000" dist="23000" dir="5400000" rotWithShape="0">
+              <a:srgbClr val="000000">
+                <a:alpha val="35000"/>
+              </a:srgbClr>
+            </a:outerShdw>
+          </a:effectLst>
+          <a:scene3d>
+            <a:camera prst="orthographicFront">
+              <a:rot lat="0" lon="0" rev="0"/>
+            </a:camera>
+            <a:lightRig rig="threePt" dir="t">
+              <a:rot lat="0" lon="0" rev="1200000"/>
+            </a:lightRig>
+          </a:scene3d>
+          <a:sp3d>
+            <a:bevelT w="63500" h="25400"/>
+          </a:sp3d>
+        </a:effectStyle>
+      </a:effectStyleLst>
+      <a:bgFillStyleLst>
+        <a:solidFill>
+          <a:schemeClr val="phClr"/>
+        </a:solidFill>
+        <a:gradFill rotWithShape="1">
+          <a:gsLst>
+            <a:gs pos="0">
+              <a:schemeClr val="phClr">
+                <a:tint val="40000"/>
+                <a:satMod val="350000"/>
+              </a:schemeClr>
+            </a:gs>
+            <a:gs pos="40000">
+              <a:schemeClr val="phClr">
+                <a:tint val="45000"/>
+                <a:shade val="99000"/>
+                <a:satMod val="350000"/>
+              </a:schemeClr>
+            </a:gs>
+            <a:gs pos="100000">
+              <a:schemeClr val="phClr">
+                <a:shade val="20000"/>
+                <a:satMod val="255000"/>
+              </a:schemeClr>
+            </a:gs>
+          </a:gsLst>
+          <a:path path="circle">
+            <a:fillToRect l="50000" t="-80000" r="50000" b="180000"/>
+          </a:path>
+        </a:gradFill>
+        <a:gradFill rotWithShape="1">
+          <a:gsLst>
+            <a:gs pos="0">
+              <a:schemeClr val="phClr">
+                <a:tint val="80000"/>
+                <a:satMod val="300000"/>
+              </a:schemeClr>
+            </a:gs>
+            <a:gs pos="100000">
+              <a:schemeClr val="phClr">
+                <a:shade val="30000"/>
+                <a:satMod val="200000"/>
+              </a:schemeClr>
+            </a:gs>
+          </a:gsLst>
+          <a:path path="circle">
+            <a:fillToRect l="50000" t="50000" r="50000" b="50000"/>
+          </a:path>
+        </a:gradFill>
+      </a:bgFillStyleLst>
+    </a:fmtScheme>
+  </a:themeElements>
+</a:theme>
+</file>
+
+<file path=ppt/theme/theme2.xml><?xml version="1.0" encoding="utf-8"?>
 <a:theme xmlns:a="http://schemas.openxmlformats.org/drawingml/2006/main" xmlns:r="http://schemas.openxmlformats.org/officeDocument/2006/relationships">
   <a:themeElements>
     <a:clrScheme name="Default">
@@ -21007,283 +21314,4 @@
     </a:fmtScheme>
   </a:themeElements>
 </a:theme>
-</file>
-
-<file path=ppt/theme/theme2.xml><?xml version="1.0" encoding="utf-8"?>
-<a:theme xmlns:a="http://schemas.openxmlformats.org/drawingml/2006/main" xmlns:r="http://schemas.openxmlformats.org/officeDocument/2006/relationships" name="Focus">
-  <a:themeElements>
-    <a:clrScheme name="Focus">
-      <a:dk1>
-        <a:srgbClr val="1B212C"/>
-      </a:dk1>
-      <a:lt1>
-        <a:srgbClr val="FFFFFF"/>
-      </a:lt1>
-      <a:dk2>
-        <a:srgbClr val="D9D9D9"/>
-      </a:dk2>
-      <a:lt2>
-        <a:srgbClr val="82C7A5"/>
-      </a:lt2>
-      <a:accent1>
-        <a:srgbClr val="0145AC"/>
-      </a:accent1>
-      <a:accent2>
-        <a:srgbClr val="EECE1A"/>
-      </a:accent2>
-      <a:accent3>
-        <a:srgbClr val="4E5567"/>
-      </a:accent3>
-      <a:accent4>
-        <a:srgbClr val="F4D6AD"/>
-      </a:accent4>
-      <a:accent5>
-        <a:srgbClr val="7890CD"/>
-      </a:accent5>
-      <a:accent6>
-        <a:srgbClr val="F15E22"/>
-      </a:accent6>
-      <a:hlink>
-        <a:srgbClr val="7890CD"/>
-      </a:hlink>
-      <a:folHlink>
-        <a:srgbClr val="7890CD"/>
-      </a:folHlink>
-    </a:clrScheme>
-    <a:fontScheme name="Office">
-      <a:majorFont>
-        <a:latin typeface="Arial"/>
-        <a:ea typeface=""/>
-        <a:cs typeface=""/>
-        <a:font script="Jpan" typeface="ＭＳ Ｐゴシック"/>
-        <a:font script="Hang" typeface="맑은 고딕"/>
-        <a:font script="Hans" typeface="宋体"/>
-        <a:font script="Hant" typeface="新細明體"/>
-        <a:font script="Arab" typeface="Times New Roman"/>
-        <a:font script="Hebr" typeface="Times New Roman"/>
-        <a:font script="Thai" typeface="Angsana New"/>
-        <a:font script="Ethi" typeface="Nyala"/>
-        <a:font script="Beng" typeface="Vrinda"/>
-        <a:font script="Gujr" typeface="Shruti"/>
-        <a:font script="Khmr" typeface="MoolBoran"/>
-        <a:font script="Knda" typeface="Tunga"/>
-        <a:font script="Guru" typeface="Raavi"/>
-        <a:font script="Cans" typeface="Euphemia"/>
-        <a:font script="Cher" typeface="Plantagenet Cherokee"/>
-        <a:font script="Yiii" typeface="Microsoft Yi Baiti"/>
-        <a:font script="Tibt" typeface="Microsoft Himalaya"/>
-        <a:font script="Thaa" typeface="MV Boli"/>
-        <a:font script="Deva" typeface="Mangal"/>
-        <a:font script="Telu" typeface="Gautami"/>
-        <a:font script="Taml" typeface="Latha"/>
-        <a:font script="Syrc" typeface="Estrangelo Edessa"/>
-        <a:font script="Orya" typeface="Kalinga"/>
-        <a:font script="Mlym" typeface="Kartika"/>
-        <a:font script="Laoo" typeface="DokChampa"/>
-        <a:font script="Sinh" typeface="Iskoola Pota"/>
-        <a:font script="Mong" typeface="Mongolian Baiti"/>
-        <a:font script="Viet" typeface="Times New Roman"/>
-        <a:font script="Uigh" typeface="Microsoft Uighur"/>
-        <a:font script="Geor" typeface="Sylfaen"/>
-      </a:majorFont>
-      <a:minorFont>
-        <a:latin typeface="Arial"/>
-        <a:ea typeface=""/>
-        <a:cs typeface=""/>
-        <a:font script="Jpan" typeface="ＭＳ Ｐゴシック"/>
-        <a:font script="Hang" typeface="맑은 고딕"/>
-        <a:font script="Hans" typeface="宋体"/>
-        <a:font script="Hant" typeface="新細明體"/>
-        <a:font script="Arab" typeface="Arial"/>
-        <a:font script="Hebr" typeface="Arial"/>
-        <a:font script="Thai" typeface="Cordia New"/>
-        <a:font script="Ethi" typeface="Nyala"/>
-        <a:font script="Beng" typeface="Vrinda"/>
-        <a:font script="Gujr" typeface="Shruti"/>
-        <a:font script="Khmr" typeface="DaunPenh"/>
-        <a:font script="Knda" typeface="Tunga"/>
-        <a:font script="Guru" typeface="Raavi"/>
-        <a:font script="Cans" typeface="Euphemia"/>
-        <a:font script="Cher" typeface="Plantagenet Cherokee"/>
-        <a:font script="Yiii" typeface="Microsoft Yi Baiti"/>
-        <a:font script="Tibt" typeface="Microsoft Himalaya"/>
-        <a:font script="Thaa" typeface="MV Boli"/>
-        <a:font script="Deva" typeface="Mangal"/>
-        <a:font script="Telu" typeface="Gautami"/>
-        <a:font script="Taml" typeface="Latha"/>
-        <a:font script="Syrc" typeface="Estrangelo Edessa"/>
-        <a:font script="Orya" typeface="Kalinga"/>
-        <a:font script="Mlym" typeface="Kartika"/>
-        <a:font script="Laoo" typeface="DokChampa"/>
-        <a:font script="Sinh" typeface="Iskoola Pota"/>
-        <a:font script="Mong" typeface="Mongolian Baiti"/>
-        <a:font script="Viet" typeface="Arial"/>
-        <a:font script="Uigh" typeface="Microsoft Uighur"/>
-        <a:font script="Geor" typeface="Sylfaen"/>
-      </a:minorFont>
-    </a:fontScheme>
-    <a:fmtScheme name="Office">
-      <a:fillStyleLst>
-        <a:solidFill>
-          <a:schemeClr val="phClr"/>
-        </a:solidFill>
-        <a:gradFill rotWithShape="1">
-          <a:gsLst>
-            <a:gs pos="0">
-              <a:schemeClr val="phClr">
-                <a:tint val="50000"/>
-                <a:satMod val="300000"/>
-              </a:schemeClr>
-            </a:gs>
-            <a:gs pos="35000">
-              <a:schemeClr val="phClr">
-                <a:tint val="37000"/>
-                <a:satMod val="300000"/>
-              </a:schemeClr>
-            </a:gs>
-            <a:gs pos="100000">
-              <a:schemeClr val="phClr">
-                <a:tint val="15000"/>
-                <a:satMod val="350000"/>
-              </a:schemeClr>
-            </a:gs>
-          </a:gsLst>
-          <a:lin ang="16200000" scaled="1"/>
-        </a:gradFill>
-        <a:gradFill rotWithShape="1">
-          <a:gsLst>
-            <a:gs pos="0">
-              <a:schemeClr val="phClr">
-                <a:tint val="100000"/>
-                <a:shade val="100000"/>
-                <a:satMod val="130000"/>
-              </a:schemeClr>
-            </a:gs>
-            <a:gs pos="100000">
-              <a:schemeClr val="phClr">
-                <a:tint val="50000"/>
-                <a:shade val="100000"/>
-                <a:satMod val="350000"/>
-              </a:schemeClr>
-            </a:gs>
-          </a:gsLst>
-          <a:lin ang="16200000" scaled="0"/>
-        </a:gradFill>
-      </a:fillStyleLst>
-      <a:lnStyleLst>
-        <a:ln w="9525" cap="flat" cmpd="sng" algn="ctr">
-          <a:solidFill>
-            <a:schemeClr val="phClr">
-              <a:shade val="95000"/>
-              <a:satMod val="105000"/>
-            </a:schemeClr>
-          </a:solidFill>
-          <a:prstDash val="solid"/>
-        </a:ln>
-        <a:ln w="25400" cap="flat" cmpd="sng" algn="ctr">
-          <a:solidFill>
-            <a:schemeClr val="phClr"/>
-          </a:solidFill>
-          <a:prstDash val="solid"/>
-        </a:ln>
-        <a:ln w="38100" cap="flat" cmpd="sng" algn="ctr">
-          <a:solidFill>
-            <a:schemeClr val="phClr"/>
-          </a:solidFill>
-          <a:prstDash val="solid"/>
-        </a:ln>
-      </a:lnStyleLst>
-      <a:effectStyleLst>
-        <a:effectStyle>
-          <a:effectLst>
-            <a:outerShdw blurRad="40000" dist="20000" dir="5400000" rotWithShape="0">
-              <a:srgbClr val="000000">
-                <a:alpha val="38000"/>
-              </a:srgbClr>
-            </a:outerShdw>
-          </a:effectLst>
-        </a:effectStyle>
-        <a:effectStyle>
-          <a:effectLst>
-            <a:outerShdw blurRad="40000" dist="23000" dir="5400000" rotWithShape="0">
-              <a:srgbClr val="000000">
-                <a:alpha val="35000"/>
-              </a:srgbClr>
-            </a:outerShdw>
-          </a:effectLst>
-        </a:effectStyle>
-        <a:effectStyle>
-          <a:effectLst>
-            <a:outerShdw blurRad="40000" dist="23000" dir="5400000" rotWithShape="0">
-              <a:srgbClr val="000000">
-                <a:alpha val="35000"/>
-              </a:srgbClr>
-            </a:outerShdw>
-          </a:effectLst>
-          <a:scene3d>
-            <a:camera prst="orthographicFront">
-              <a:rot lat="0" lon="0" rev="0"/>
-            </a:camera>
-            <a:lightRig rig="threePt" dir="t">
-              <a:rot lat="0" lon="0" rev="1200000"/>
-            </a:lightRig>
-          </a:scene3d>
-          <a:sp3d>
-            <a:bevelT w="63500" h="25400"/>
-          </a:sp3d>
-        </a:effectStyle>
-      </a:effectStyleLst>
-      <a:bgFillStyleLst>
-        <a:solidFill>
-          <a:schemeClr val="phClr"/>
-        </a:solidFill>
-        <a:gradFill rotWithShape="1">
-          <a:gsLst>
-            <a:gs pos="0">
-              <a:schemeClr val="phClr">
-                <a:tint val="40000"/>
-                <a:satMod val="350000"/>
-              </a:schemeClr>
-            </a:gs>
-            <a:gs pos="40000">
-              <a:schemeClr val="phClr">
-                <a:tint val="45000"/>
-                <a:shade val="99000"/>
-                <a:satMod val="350000"/>
-              </a:schemeClr>
-            </a:gs>
-            <a:gs pos="100000">
-              <a:schemeClr val="phClr">
-                <a:shade val="20000"/>
-                <a:satMod val="255000"/>
-              </a:schemeClr>
-            </a:gs>
-          </a:gsLst>
-          <a:path path="circle">
-            <a:fillToRect l="50000" t="-80000" r="50000" b="180000"/>
-          </a:path>
-        </a:gradFill>
-        <a:gradFill rotWithShape="1">
-          <a:gsLst>
-            <a:gs pos="0">
-              <a:schemeClr val="phClr">
-                <a:tint val="80000"/>
-                <a:satMod val="300000"/>
-              </a:schemeClr>
-            </a:gs>
-            <a:gs pos="100000">
-              <a:schemeClr val="phClr">
-                <a:shade val="30000"/>
-                <a:satMod val="200000"/>
-              </a:schemeClr>
-            </a:gs>
-          </a:gsLst>
-          <a:path path="circle">
-            <a:fillToRect l="50000" t="50000" r="50000" b="50000"/>
-          </a:path>
-        </a:gradFill>
-      </a:bgFillStyleLst>
-    </a:fmtScheme>
-  </a:themeElements>
-</a:theme>
 </file>